--- a/Design/Moodboard.pptx
+++ b/Design/Moodboard.pptx
@@ -104,6 +104,11 @@
       </a:defRPr>
     </a:lvl9pPr>
   </p:defaultTextStyle>
+  <p:extLst>
+    <p:ext uri="{EFAFB233-063F-42B5-8137-9DF3F51BA10A}">
+      <p15:sldGuideLst xmlns:p15="http://schemas.microsoft.com/office/powerpoint/2012/main"/>
+    </p:ext>
+  </p:extLst>
 </p:presentation>
 </file>
 
@@ -609,7 +614,7 @@
           <a:p>
             <a:fld id="{80AA46FB-A468-4C29-AB73-A57C7BE30CDD}" type="datetimeFigureOut">
               <a:rPr lang="en-US" smtClean="0"/>
-              <a:t>2/14/2024</a:t>
+              <a:t>2/16/24</a:t>
             </a:fld>
             <a:endParaRPr lang="en-US"/>
           </a:p>
@@ -905,7 +910,7 @@
           <a:p>
             <a:fld id="{80AA46FB-A468-4C29-AB73-A57C7BE30CDD}" type="datetimeFigureOut">
               <a:rPr lang="en-US" smtClean="0"/>
-              <a:t>2/14/2024</a:t>
+              <a:t>2/16/24</a:t>
             </a:fld>
             <a:endParaRPr lang="en-US"/>
           </a:p>
@@ -1153,7 +1158,7 @@
           <a:p>
             <a:fld id="{80AA46FB-A468-4C29-AB73-A57C7BE30CDD}" type="datetimeFigureOut">
               <a:rPr lang="en-US" smtClean="0"/>
-              <a:t>2/14/2024</a:t>
+              <a:t>2/16/24</a:t>
             </a:fld>
             <a:endParaRPr lang="en-US"/>
           </a:p>
@@ -1693,7 +1698,7 @@
           <a:p>
             <a:fld id="{80AA46FB-A468-4C29-AB73-A57C7BE30CDD}" type="datetimeFigureOut">
               <a:rPr lang="en-US" smtClean="0"/>
-              <a:t>2/14/2024</a:t>
+              <a:t>2/16/24</a:t>
             </a:fld>
             <a:endParaRPr lang="en-US"/>
           </a:p>
@@ -1941,7 +1946,7 @@
           <a:p>
             <a:fld id="{80AA46FB-A468-4C29-AB73-A57C7BE30CDD}" type="datetimeFigureOut">
               <a:rPr lang="en-US" smtClean="0"/>
-              <a:t>2/14/2024</a:t>
+              <a:t>2/16/24</a:t>
             </a:fld>
             <a:endParaRPr lang="en-US"/>
           </a:p>
@@ -2473,7 +2478,7 @@
           <a:p>
             <a:fld id="{80AA46FB-A468-4C29-AB73-A57C7BE30CDD}" type="datetimeFigureOut">
               <a:rPr lang="en-US" smtClean="0"/>
-              <a:t>2/14/2024</a:t>
+              <a:t>2/16/24</a:t>
             </a:fld>
             <a:endParaRPr lang="en-US"/>
           </a:p>
@@ -2770,7 +2775,7 @@
           <a:p>
             <a:fld id="{80AA46FB-A468-4C29-AB73-A57C7BE30CDD}" type="datetimeFigureOut">
               <a:rPr lang="en-US" smtClean="0"/>
-              <a:t>2/14/2024</a:t>
+              <a:t>2/16/24</a:t>
             </a:fld>
             <a:endParaRPr lang="en-US"/>
           </a:p>
@@ -2944,7 +2949,7 @@
           <a:p>
             <a:fld id="{80AA46FB-A468-4C29-AB73-A57C7BE30CDD}" type="datetimeFigureOut">
               <a:rPr lang="en-US" smtClean="0"/>
-              <a:t>2/14/2024</a:t>
+              <a:t>2/16/24</a:t>
             </a:fld>
             <a:endParaRPr lang="en-US"/>
           </a:p>
@@ -3124,7 +3129,7 @@
           <a:p>
             <a:fld id="{80AA46FB-A468-4C29-AB73-A57C7BE30CDD}" type="datetimeFigureOut">
               <a:rPr lang="en-US" smtClean="0"/>
-              <a:t>2/14/2024</a:t>
+              <a:t>2/16/24</a:t>
             </a:fld>
             <a:endParaRPr lang="en-US"/>
           </a:p>
@@ -3294,7 +3299,7 @@
           <a:p>
             <a:fld id="{80AA46FB-A468-4C29-AB73-A57C7BE30CDD}" type="datetimeFigureOut">
               <a:rPr lang="en-US" smtClean="0"/>
-              <a:t>2/14/2024</a:t>
+              <a:t>2/16/24</a:t>
             </a:fld>
             <a:endParaRPr lang="en-US"/>
           </a:p>
@@ -3545,7 +3550,7 @@
           <a:p>
             <a:fld id="{80AA46FB-A468-4C29-AB73-A57C7BE30CDD}" type="datetimeFigureOut">
               <a:rPr lang="en-US" smtClean="0"/>
-              <a:t>2/14/2024</a:t>
+              <a:t>2/16/24</a:t>
             </a:fld>
             <a:endParaRPr lang="en-US"/>
           </a:p>
@@ -3842,7 +3847,7 @@
           <a:p>
             <a:fld id="{80AA46FB-A468-4C29-AB73-A57C7BE30CDD}" type="datetimeFigureOut">
               <a:rPr lang="en-US" smtClean="0"/>
-              <a:t>2/14/2024</a:t>
+              <a:t>2/16/24</a:t>
             </a:fld>
             <a:endParaRPr lang="en-US"/>
           </a:p>
@@ -4284,7 +4289,7 @@
           <a:p>
             <a:fld id="{80AA46FB-A468-4C29-AB73-A57C7BE30CDD}" type="datetimeFigureOut">
               <a:rPr lang="en-US" smtClean="0"/>
-              <a:t>2/14/2024</a:t>
+              <a:t>2/16/24</a:t>
             </a:fld>
             <a:endParaRPr lang="en-US"/>
           </a:p>
@@ -4402,7 +4407,7 @@
           <a:p>
             <a:fld id="{80AA46FB-A468-4C29-AB73-A57C7BE30CDD}" type="datetimeFigureOut">
               <a:rPr lang="en-US" smtClean="0"/>
-              <a:t>2/14/2024</a:t>
+              <a:t>2/16/24</a:t>
             </a:fld>
             <a:endParaRPr lang="en-US"/>
           </a:p>
@@ -4497,7 +4502,7 @@
           <a:p>
             <a:fld id="{80AA46FB-A468-4C29-AB73-A57C7BE30CDD}" type="datetimeFigureOut">
               <a:rPr lang="en-US" smtClean="0"/>
-              <a:t>2/14/2024</a:t>
+              <a:t>2/16/24</a:t>
             </a:fld>
             <a:endParaRPr lang="en-US"/>
           </a:p>
@@ -4780,7 +4785,7 @@
           <a:p>
             <a:fld id="{80AA46FB-A468-4C29-AB73-A57C7BE30CDD}" type="datetimeFigureOut">
               <a:rPr lang="en-US" smtClean="0"/>
-              <a:t>2/14/2024</a:t>
+              <a:t>2/16/24</a:t>
             </a:fld>
             <a:endParaRPr lang="en-US"/>
           </a:p>
@@ -5071,7 +5076,7 @@
           <a:p>
             <a:fld id="{80AA46FB-A468-4C29-AB73-A57C7BE30CDD}" type="datetimeFigureOut">
               <a:rPr lang="en-US" smtClean="0"/>
-              <a:t>2/14/2024</a:t>
+              <a:t>2/16/24</a:t>
             </a:fld>
             <a:endParaRPr lang="en-US"/>
           </a:p>
@@ -5601,7 +5606,7 @@
           <a:p>
             <a:fld id="{80AA46FB-A468-4C29-AB73-A57C7BE30CDD}" type="datetimeFigureOut">
               <a:rPr lang="en-US" smtClean="0"/>
-              <a:t>2/14/2024</a:t>
+              <a:t>2/16/24</a:t>
             </a:fld>
             <a:endParaRPr lang="en-US"/>
           </a:p>
@@ -6128,22 +6133,31 @@
                 <a:lumOff val="95000"/>
               </a:schemeClr>
             </a:gs>
-            <a:gs pos="74000">
-              <a:schemeClr val="accent1">
-                <a:lumMod val="45000"/>
-                <a:lumOff val="55000"/>
+            <a:gs pos="24000">
+              <a:srgbClr val="CCEBFA"/>
+            </a:gs>
+            <a:gs pos="24000">
+              <a:schemeClr val="accent6">
+                <a:lumMod val="0"/>
+                <a:lumOff val="100000"/>
+              </a:schemeClr>
+            </a:gs>
+            <a:gs pos="47000">
+              <a:schemeClr val="accent2">
+                <a:lumMod val="40000"/>
+                <a:lumOff val="60000"/>
               </a:schemeClr>
             </a:gs>
             <a:gs pos="83000">
-              <a:schemeClr val="accent1">
-                <a:lumMod val="45000"/>
-                <a:lumOff val="55000"/>
+              <a:schemeClr val="accent3">
+                <a:lumMod val="40000"/>
+                <a:lumOff val="60000"/>
               </a:schemeClr>
             </a:gs>
             <a:gs pos="100000">
-              <a:schemeClr val="accent1">
-                <a:lumMod val="30000"/>
-                <a:lumOff val="70000"/>
+              <a:schemeClr val="accent5">
+                <a:lumMod val="40000"/>
+                <a:lumOff val="60000"/>
               </a:schemeClr>
             </a:gs>
           </a:gsLst>
@@ -7569,8 +7583,8 @@
         </p:blipFill>
         <p:spPr bwMode="auto">
           <a:xfrm>
-            <a:off x="2652623" y="4592410"/>
-            <a:ext cx="1538698" cy="1538698"/>
+            <a:off x="2489046" y="4743604"/>
+            <a:ext cx="1290583" cy="1290583"/>
           </a:xfrm>
           <a:prstGeom prst="rect">
             <a:avLst/>
@@ -7601,7 +7615,7 @@
         </p:nvSpPr>
         <p:spPr>
           <a:xfrm>
-            <a:off x="2820151" y="4199852"/>
+            <a:off x="1317419" y="4316792"/>
             <a:ext cx="1203642" cy="310854"/>
           </a:xfrm>
           <a:prstGeom prst="rect">
@@ -7635,6 +7649,53 @@
           </a:p>
         </p:txBody>
       </p:sp>
+      <p:pic>
+        <p:nvPicPr>
+          <p:cNvPr id="2" name="Picture 2" descr="Juice. | Summer Vibes. | Drinks packaging design, Creative packaging design,  Drinks design">
+            <a:extLst>
+              <a:ext uri="{FF2B5EF4-FFF2-40B4-BE49-F238E27FC236}">
+                <a16:creationId xmlns:a16="http://schemas.microsoft.com/office/drawing/2014/main" id="{E61D3BD4-E79D-C505-888D-429DB99727C4}"/>
+              </a:ext>
+            </a:extLst>
+          </p:cNvPr>
+          <p:cNvPicPr>
+            <a:picLocks noChangeAspect="1" noChangeArrowheads="1"/>
+          </p:cNvPicPr>
+          <p:nvPr/>
+        </p:nvPicPr>
+        <p:blipFill>
+          <a:blip r:embed="rId13">
+            <a:extLst>
+              <a:ext uri="{28A0092B-C50C-407E-A947-70E740481C1C}">
+                <a14:useLocalDpi xmlns:a14="http://schemas.microsoft.com/office/drawing/2010/main" val="0"/>
+              </a:ext>
+            </a:extLst>
+          </a:blip>
+          <a:srcRect/>
+          <a:stretch>
+            <a:fillRect/>
+          </a:stretch>
+        </p:blipFill>
+        <p:spPr bwMode="auto">
+          <a:xfrm>
+            <a:off x="755561" y="4743606"/>
+            <a:ext cx="1775024" cy="1331268"/>
+          </a:xfrm>
+          <a:prstGeom prst="rect">
+            <a:avLst/>
+          </a:prstGeom>
+          <a:noFill/>
+          <a:extLst>
+            <a:ext uri="{909E8E84-426E-40DD-AFC4-6F175D3DCCD1}">
+              <a14:hiddenFill xmlns:a14="http://schemas.microsoft.com/office/drawing/2010/main">
+                <a:solidFill>
+                  <a:srgbClr val="FFFFFF"/>
+                </a:solidFill>
+              </a14:hiddenFill>
+            </a:ext>
+          </a:extLst>
+        </p:spPr>
+      </p:pic>
     </p:spTree>
     <p:extLst>
       <p:ext uri="{BB962C8B-B14F-4D97-AF65-F5344CB8AC3E}">
